--- a/Slides.pptx
+++ b/Slides.pptx
@@ -121,6 +121,11 @@
       </a:defRPr>
     </a:lvl9pPr>
   </p:defaultTextStyle>
+  <p:extLst>
+    <p:ext uri="{EFAFB233-063F-42B5-8137-9DF3F51BA10A}">
+      <p15:sldGuideLst xmlns:p15="http://schemas.microsoft.com/office/powerpoint/2012/main"/>
+    </p:ext>
+  </p:extLst>
 </p:presentation>
 </file>
 
@@ -3272,7 +3277,7 @@
           <a:p>
             <a:fld id="{7F67750B-69F6-1B44-8E2A-1F2413DAA50B}" type="datetimeFigureOut">
               <a:rPr lang="en-US" smtClean="0"/>
-              <a:t>10/30/20</a:t>
+              <a:t>11/12/20</a:t>
             </a:fld>
             <a:endParaRPr lang="en-US"/>
           </a:p>
@@ -3610,7 +3615,7 @@
           <a:p>
             <a:fld id="{7F67750B-69F6-1B44-8E2A-1F2413DAA50B}" type="datetimeFigureOut">
               <a:rPr lang="en-US" smtClean="0"/>
-              <a:t>10/30/20</a:t>
+              <a:t>11/12/20</a:t>
             </a:fld>
             <a:endParaRPr lang="en-US"/>
           </a:p>
@@ -4011,7 +4016,7 @@
           <a:p>
             <a:fld id="{7F67750B-69F6-1B44-8E2A-1F2413DAA50B}" type="datetimeFigureOut">
               <a:rPr lang="en-US" smtClean="0"/>
-              <a:t>10/30/20</a:t>
+              <a:t>11/12/20</a:t>
             </a:fld>
             <a:endParaRPr lang="en-US"/>
           </a:p>
@@ -4347,7 +4352,7 @@
           <a:p>
             <a:fld id="{7F67750B-69F6-1B44-8E2A-1F2413DAA50B}" type="datetimeFigureOut">
               <a:rPr lang="en-US" smtClean="0"/>
-              <a:t>10/30/20</a:t>
+              <a:t>11/12/20</a:t>
             </a:fld>
             <a:endParaRPr lang="en-US"/>
           </a:p>
@@ -4667,7 +4672,7 @@
           <a:p>
             <a:fld id="{7F67750B-69F6-1B44-8E2A-1F2413DAA50B}" type="datetimeFigureOut">
               <a:rPr lang="en-US" smtClean="0"/>
-              <a:t>10/30/20</a:t>
+              <a:t>11/12/20</a:t>
             </a:fld>
             <a:endParaRPr lang="en-US"/>
           </a:p>
@@ -5063,7 +5068,7 @@
           <a:p>
             <a:fld id="{7F67750B-69F6-1B44-8E2A-1F2413DAA50B}" type="datetimeFigureOut">
               <a:rPr lang="en-US" smtClean="0"/>
-              <a:t>10/30/20</a:t>
+              <a:t>11/12/20</a:t>
             </a:fld>
             <a:endParaRPr lang="en-US"/>
           </a:p>
@@ -5320,7 +5325,7 @@
           <a:p>
             <a:fld id="{7F67750B-69F6-1B44-8E2A-1F2413DAA50B}" type="datetimeFigureOut">
               <a:rPr lang="en-US" smtClean="0"/>
-              <a:t>10/30/20</a:t>
+              <a:t>11/12/20</a:t>
             </a:fld>
             <a:endParaRPr lang="en-US"/>
           </a:p>
@@ -5582,7 +5587,7 @@
           <a:p>
             <a:fld id="{7F67750B-69F6-1B44-8E2A-1F2413DAA50B}" type="datetimeFigureOut">
               <a:rPr lang="en-US" smtClean="0"/>
-              <a:t>10/30/20</a:t>
+              <a:t>11/12/20</a:t>
             </a:fld>
             <a:endParaRPr lang="en-US"/>
           </a:p>
@@ -5844,7 +5849,7 @@
           <a:p>
             <a:fld id="{7F67750B-69F6-1B44-8E2A-1F2413DAA50B}" type="datetimeFigureOut">
               <a:rPr lang="en-US" smtClean="0"/>
-              <a:t>10/30/20</a:t>
+              <a:t>11/12/20</a:t>
             </a:fld>
             <a:endParaRPr lang="en-US"/>
           </a:p>
@@ -6173,7 +6178,7 @@
           <a:p>
             <a:fld id="{7F67750B-69F6-1B44-8E2A-1F2413DAA50B}" type="datetimeFigureOut">
               <a:rPr lang="en-US" smtClean="0"/>
-              <a:t>10/30/20</a:t>
+              <a:t>11/12/20</a:t>
             </a:fld>
             <a:endParaRPr lang="en-US"/>
           </a:p>
@@ -6496,7 +6501,7 @@
           <a:p>
             <a:fld id="{7F67750B-69F6-1B44-8E2A-1F2413DAA50B}" type="datetimeFigureOut">
               <a:rPr lang="en-US" smtClean="0"/>
-              <a:t>10/30/20</a:t>
+              <a:t>11/12/20</a:t>
             </a:fld>
             <a:endParaRPr lang="en-US"/>
           </a:p>
@@ -6953,7 +6958,7 @@
           <a:p>
             <a:fld id="{7F67750B-69F6-1B44-8E2A-1F2413DAA50B}" type="datetimeFigureOut">
               <a:rPr lang="en-US" smtClean="0"/>
-              <a:t>10/30/20</a:t>
+              <a:t>11/12/20</a:t>
             </a:fld>
             <a:endParaRPr lang="en-US"/>
           </a:p>
@@ -7158,7 +7163,7 @@
           <a:p>
             <a:fld id="{7F67750B-69F6-1B44-8E2A-1F2413DAA50B}" type="datetimeFigureOut">
               <a:rPr lang="en-US" smtClean="0"/>
-              <a:t>10/30/20</a:t>
+              <a:t>11/12/20</a:t>
             </a:fld>
             <a:endParaRPr lang="en-US"/>
           </a:p>
@@ -7335,7 +7340,7 @@
           <a:p>
             <a:fld id="{7F67750B-69F6-1B44-8E2A-1F2413DAA50B}" type="datetimeFigureOut">
               <a:rPr lang="en-US" smtClean="0"/>
-              <a:t>10/30/20</a:t>
+              <a:t>11/12/20</a:t>
             </a:fld>
             <a:endParaRPr lang="en-US"/>
           </a:p>
@@ -7668,7 +7673,7 @@
           <a:p>
             <a:fld id="{7F67750B-69F6-1B44-8E2A-1F2413DAA50B}" type="datetimeFigureOut">
               <a:rPr lang="en-US" smtClean="0"/>
-              <a:t>10/30/20</a:t>
+              <a:t>11/12/20</a:t>
             </a:fld>
             <a:endParaRPr lang="en-US"/>
           </a:p>
@@ -8013,7 +8018,7 @@
           <a:p>
             <a:fld id="{7F67750B-69F6-1B44-8E2A-1F2413DAA50B}" type="datetimeFigureOut">
               <a:rPr lang="en-US" smtClean="0"/>
-              <a:t>10/30/20</a:t>
+              <a:t>11/12/20</a:t>
             </a:fld>
             <a:endParaRPr lang="en-US"/>
           </a:p>
@@ -10130,7 +10135,7 @@
           <a:p>
             <a:fld id="{7F67750B-69F6-1B44-8E2A-1F2413DAA50B}" type="datetimeFigureOut">
               <a:rPr lang="en-US" smtClean="0"/>
-              <a:t>10/30/20</a:t>
+              <a:t>11/12/20</a:t>
             </a:fld>
             <a:endParaRPr lang="en-US"/>
           </a:p>
@@ -12821,7 +12826,21 @@
                 <a:latin typeface="Times New Roman" panose="02020603050405020304" pitchFamily="18" charset="0"/>
                 <a:cs typeface="Times New Roman" panose="02020603050405020304" pitchFamily="18" charset="0"/>
               </a:rPr>
-              <a:t>Marketing message for Mental well-being could be better mood, passivity and good energy</a:t>
+              <a:t>Marketing message for Mental well-being could be better mood</a:t>
+            </a:r>
+            <a:r>
+              <a:rPr lang="en-US" sz="1400">
+                <a:latin typeface="Times New Roman" panose="02020603050405020304" pitchFamily="18" charset="0"/>
+                <a:cs typeface="Times New Roman" panose="02020603050405020304" pitchFamily="18" charset="0"/>
+              </a:rPr>
+              <a:t>, positivity </a:t>
+            </a:r>
+            <a:r>
+              <a:rPr lang="en-US" sz="1400" dirty="0">
+                <a:latin typeface="Times New Roman" panose="02020603050405020304" pitchFamily="18" charset="0"/>
+                <a:cs typeface="Times New Roman" panose="02020603050405020304" pitchFamily="18" charset="0"/>
+              </a:rPr>
+              <a:t>and good energy</a:t>
             </a:r>
           </a:p>
           <a:p>
